--- a/VML_project_poster.pptx
+++ b/VML_project_poster.pptx
@@ -1395,7 +1395,7 @@
           <a:p>
             <a:fld id="{E695B7AD-C0E4-4106-98F1-A426950388A1}" type="datetimeFigureOut">
               <a:rPr lang="en-US" smtClean="0"/>
-              <a:t>12/1/2019</a:t>
+              <a:t>12/3/2019</a:t>
             </a:fld>
             <a:endParaRPr lang="en-US"/>
           </a:p>
@@ -1890,15 +1890,11 @@
             </a:pPr>
             <a:r>
               <a:rPr lang="en-US" dirty="0"/>
-              <a:t>Evaluation of Cognitive Dimensions indicates </a:t>
-            </a:r>
-            <a:r>
-              <a:rPr lang="en-US" dirty="0" err="1"/>
-              <a:t>GitSubmit</a:t>
-            </a:r>
-            <a:r>
-              <a:rPr lang="en-US" dirty="0"/>
-              <a:t> performs well in its task</a:t>
+              <a:t>Evaluation of </a:t>
+            </a:r>
+            <a:r>
+              <a:rPr lang="en-US" dirty="0" smtClean="0"/>
+              <a:t>close values which are near to the centroid had to be chosen for a high turn over.</a:t>
             </a:r>
           </a:p>
           <a:p>
@@ -1907,8 +1903,8 @@
               <a:buChar char="•"/>
             </a:pPr>
             <a:r>
-              <a:rPr lang="en-US" dirty="0"/>
-              <a:t>Strongest aspects: Diffuseness/Terseness, Progressive Evaluation</a:t>
+              <a:rPr lang="en-US" dirty="0" smtClean="0"/>
+              <a:t>Strongest aspects: Accuracy/Precision, F1 Score</a:t>
             </a:r>
           </a:p>
           <a:p>
@@ -1916,35 +1912,7 @@
               <a:buFont typeface="Arial" panose="020B0604020202020204" pitchFamily="34" charset="0"/>
               <a:buChar char="•"/>
             </a:pPr>
-            <a:r>
-              <a:rPr lang="en-US" dirty="0"/>
-              <a:t>Weakest aspects: Error-Proneness</a:t>
-            </a:r>
-          </a:p>
-          <a:p>
-            <a:pPr marL="1787525" lvl="1" indent="-857250"/>
-            <a:r>
-              <a:rPr lang="en-US" sz="5400" dirty="0"/>
-              <a:t>Implementation had some stability and network issues</a:t>
-            </a:r>
-          </a:p>
-          <a:p>
-            <a:pPr marL="857250" indent="-857250">
-              <a:buFont typeface="Arial" panose="020B0604020202020204" pitchFamily="34" charset="0"/>
-              <a:buChar char="•"/>
-            </a:pPr>
-            <a:r>
-              <a:rPr lang="en-US" dirty="0"/>
-              <a:t>Non-novice responses indicate that </a:t>
-            </a:r>
-            <a:r>
-              <a:rPr lang="en-US" dirty="0" err="1"/>
-              <a:t>GitSubmit</a:t>
-            </a:r>
-            <a:r>
-              <a:rPr lang="en-US" dirty="0"/>
-              <a:t> has neither too much or too little abstraction</a:t>
-            </a:r>
+            <a:endParaRPr lang="en-US" dirty="0" smtClean="0"/>
           </a:p>
         </p:txBody>
       </p:sp>
@@ -2198,15 +2166,21 @@
               <a:buChar char="•"/>
             </a:pPr>
             <a:r>
-              <a:rPr lang="en-US" sz="3200" dirty="0"/>
-              <a:t>https://git-scm.com/downloads/logos</a:t>
-            </a:r>
+              <a:rPr lang="en-US" sz="3200" dirty="0">
+                <a:hlinkClick r:id="rId2"/>
+              </a:rPr>
+              <a:t>https://</a:t>
+            </a:r>
+            <a:r>
+              <a:rPr lang="en-US" sz="3200" dirty="0" smtClean="0">
+                <a:hlinkClick r:id="rId2"/>
+              </a:rPr>
+              <a:t>www.quandl.com/data/NSE/TATAGLOBAL-Tata-Global-Beverages-Limited</a:t>
+            </a:r>
+            <a:endParaRPr lang="en-US" sz="3200" dirty="0" smtClean="0"/>
           </a:p>
           <a:p>
             <a:pPr marL="457200" indent="-457200">
-              <a:lnSpc>
-                <a:spcPct val="100000"/>
-              </a:lnSpc>
               <a:spcBef>
                 <a:spcPts val="0"/>
               </a:spcBef>
@@ -2214,63 +2188,14 @@
               <a:buChar char="•"/>
             </a:pPr>
             <a:r>
+              <a:rPr lang="en-US" sz="3200" dirty="0">
+                <a:hlinkClick r:id="rId3"/>
+              </a:rPr>
+              <a:t>https://scikit-learn.org/stable/</a:t>
+            </a:r>
+            <a:r>
               <a:rPr lang="en-US" sz="3200" dirty="0"/>
-              <a:t>T. R. Green. Cognitive dimensions of notations. People and Computers V, pages 443–460, 1989. </a:t>
-            </a:r>
-          </a:p>
-          <a:p>
-            <a:pPr marL="457200" indent="-457200">
-              <a:lnSpc>
-                <a:spcPct val="100000"/>
-              </a:lnSpc>
-              <a:spcBef>
-                <a:spcPts val="0"/>
-              </a:spcBef>
-              <a:buFont typeface="Arial" panose="020B0604020202020204" pitchFamily="34" charset="0"/>
-              <a:buChar char="•"/>
-            </a:pPr>
-            <a:r>
-              <a:rPr lang="en-US" sz="3200" dirty="0"/>
-              <a:t>S. Chacon. Pro Git. </a:t>
-            </a:r>
-            <a:r>
-              <a:rPr lang="en-US" sz="3200" dirty="0" err="1"/>
-              <a:t>Apress</a:t>
-            </a:r>
-            <a:r>
-              <a:rPr lang="en-US" sz="3200" dirty="0"/>
-              <a:t>, </a:t>
-            </a:r>
-            <a:r>
-              <a:rPr lang="en-US" sz="3200" dirty="0" err="1"/>
-              <a:t>Berkely</a:t>
-            </a:r>
-            <a:r>
-              <a:rPr lang="en-US" sz="3200" dirty="0"/>
-              <a:t>, CA, USA, 2nd</a:t>
-            </a:r>
-            <a:br>
-              <a:rPr lang="en-US" sz="3200" dirty="0"/>
-            </a:br>
-            <a:r>
-              <a:rPr lang="en-US" sz="3200" dirty="0"/>
-              <a:t>edition, 2014. </a:t>
-            </a:r>
-          </a:p>
-          <a:p>
-            <a:pPr marL="457200" indent="-457200">
-              <a:lnSpc>
-                <a:spcPct val="100000"/>
-              </a:lnSpc>
-              <a:spcBef>
-                <a:spcPts val="0"/>
-              </a:spcBef>
-              <a:buFont typeface="Arial" panose="020B0604020202020204" pitchFamily="34" charset="0"/>
-              <a:buChar char="•"/>
-            </a:pPr>
-            <a:r>
-              <a:rPr lang="en-US" sz="3200" dirty="0"/>
-              <a:t>GitLab. Code, test, and deploy together with GitLab open source git repo management software, https://about.gitlab.com</a:t>
+              <a:t/>
             </a:r>
             <a:br>
               <a:rPr lang="en-US" sz="3200" dirty="0"/>
@@ -2339,21 +2264,12 @@
           <a:p>
             <a:pPr algn="ctr"/>
             <a:r>
-              <a:rPr lang="en-US" sz="6000" dirty="0" err="1"/>
-              <a:t>nwmostate</a:t>
-            </a:r>
-            <a:r>
-              <a:rPr lang="en-US" sz="6000" dirty="0"/>
-              <a:t>/</a:t>
-            </a:r>
-            <a:r>
-              <a:rPr lang="en-US" sz="6000" dirty="0" err="1"/>
-              <a:t>csis</a:t>
-            </a:r>
-            <a:r>
-              <a:rPr lang="en-US" sz="6000" dirty="0"/>
-              <a:t>-poster-templates</a:t>
-            </a:r>
+              <a:rPr lang="en-US" sz="6000" dirty="0">
+                <a:hlinkClick r:id="rId4"/>
+              </a:rPr>
+              <a:t>https://github.com/veersubhash25/ML-project-presentation</a:t>
+            </a:r>
+            <a:endParaRPr lang="en-US" sz="6000" dirty="0"/>
           </a:p>
         </p:txBody>
       </p:sp>
@@ -2404,20 +2320,15 @@
         <p:spPr/>
         <p:txBody>
           <a:bodyPr tIns="274320">
-            <a:normAutofit fontScale="55000" lnSpcReduction="20000"/>
+            <a:normAutofit/>
           </a:bodyPr>
           <a:lstStyle/>
           <a:p>
             <a:r>
-              <a:rPr lang="en-US" dirty="0"/>
-              <a:t>Student feedback approved by the IRB committee at Northwest Missouri State University.</a:t>
-            </a:r>
-          </a:p>
-          <a:p>
-            <a:r>
-              <a:rPr lang="en-US" dirty="0"/>
-              <a:t>Feedback is from students enrolled in Data Structures and Operating Systems classes at Northwest.</a:t>
-            </a:r>
+              <a:rPr lang="en-US" dirty="0" smtClean="0"/>
+              <a:t>Mentor: Dr. Charles Hoot</a:t>
+            </a:r>
+            <a:endParaRPr lang="en-US" dirty="0"/>
           </a:p>
         </p:txBody>
       </p:sp>
@@ -2466,7 +2377,7 @@
           </p:nvPr>
         </p:nvPicPr>
         <p:blipFill>
-          <a:blip r:embed="rId2">
+          <a:blip r:embed="rId5">
             <a:extLst>
               <a:ext uri="{28A0092B-C50C-407E-A947-70E740481C1C}">
                 <a14:useLocalDpi xmlns:a14="http://schemas.microsoft.com/office/drawing/2010/main" val="0"/>
@@ -2479,7 +2390,7 @@
         </p:blipFill>
         <p:spPr>
           <a:xfrm>
-            <a:off x="650081" y="905669"/>
+            <a:off x="650081" y="121897"/>
             <a:ext cx="3648075" cy="3648075"/>
           </a:xfrm>
         </p:spPr>
@@ -2768,7 +2679,7 @@
           <p:nvPr/>
         </p:nvPicPr>
         <p:blipFill>
-          <a:blip r:embed="rId3">
+          <a:blip r:embed="rId6">
             <a:extLst>
               <a:ext uri="{28A0092B-C50C-407E-A947-70E740481C1C}">
                 <a14:useLocalDpi xmlns:a14="http://schemas.microsoft.com/office/drawing/2010/main" val="0"/>
@@ -2781,7 +2692,7 @@
         </p:blipFill>
         <p:spPr>
           <a:xfrm>
-            <a:off x="35625106" y="29011418"/>
+            <a:off x="35167906" y="28592595"/>
             <a:ext cx="4644988" cy="1904446"/>
           </a:xfrm>
           <a:prstGeom prst="rect">
@@ -2838,53 +2749,9 @@
         <p:spPr/>
         <p:txBody>
           <a:bodyPr>
-            <a:normAutofit fontScale="92500" lnSpcReduction="10000"/>
+            <a:normAutofit/>
           </a:bodyPr>
           <a:lstStyle/>
-          <a:p>
-            <a:r>
-              <a:rPr lang="en-US" dirty="0" smtClean="0"/>
-              <a:t>Using </a:t>
-            </a:r>
-            <a:r>
-              <a:rPr lang="en-US" dirty="0" err="1" smtClean="0"/>
-              <a:t>Decisiontree</a:t>
-            </a:r>
-            <a:r>
-              <a:rPr lang="en-US" dirty="0" smtClean="0"/>
-              <a:t> classifier:</a:t>
-            </a:r>
-          </a:p>
-          <a:p>
-            <a:r>
-              <a:rPr lang="en-US" dirty="0" smtClean="0"/>
-              <a:t>Using the above classifier, the accuracy is 95% and the precision is 93% and the sensitivity is 94%.</a:t>
-            </a:r>
-          </a:p>
-          <a:p>
-            <a:endParaRPr lang="en-US" dirty="0"/>
-          </a:p>
-          <a:p>
-            <a:r>
-              <a:rPr lang="en-US" dirty="0" smtClean="0"/>
-              <a:t>Using the SVM Classifier with </a:t>
-            </a:r>
-            <a:r>
-              <a:rPr lang="en-US" dirty="0" err="1" smtClean="0"/>
-              <a:t>rbf</a:t>
-            </a:r>
-            <a:r>
-              <a:rPr lang="en-US" dirty="0" smtClean="0"/>
-              <a:t> kernel:</a:t>
-            </a:r>
-          </a:p>
-          <a:p>
-            <a:r>
-              <a:rPr lang="en-US" dirty="0" smtClean="0"/>
-              <a:t>The accuracy is 94%, the sensitivity is 94% and the precision is 93%</a:t>
-            </a:r>
-            <a:endParaRPr lang="en-US" dirty="0"/>
-          </a:p>
           <a:p>
             <a:pPr marL="685800" indent="-685800">
               <a:buFont typeface="Arial" panose="020B0604020202020204" pitchFamily="34" charset="0"/>
@@ -2914,30 +2781,7 @@
             <a:endParaRPr lang="en-US" dirty="0" smtClean="0"/>
           </a:p>
           <a:p>
-            <a:r>
-              <a:rPr lang="en-US" dirty="0"/>
-              <a:t>Crime increase statement:</a:t>
-            </a:r>
-          </a:p>
-          <a:p>
-            <a:pPr marL="685800" indent="-685800">
-              <a:buFont typeface="Arial" panose="020B0604020202020204" pitchFamily="34" charset="0"/>
-              <a:buChar char="•"/>
-            </a:pPr>
-            <a:r>
-              <a:rPr lang="en-US" dirty="0"/>
-              <a:t>The graph on the right represents total rape case increased every year.</a:t>
-            </a:r>
-          </a:p>
-          <a:p>
-            <a:pPr marL="685800" indent="-685800">
-              <a:buFont typeface="Arial" panose="020B0604020202020204" pitchFamily="34" charset="0"/>
-              <a:buChar char="•"/>
-            </a:pPr>
-            <a:r>
-              <a:rPr lang="en-US" dirty="0"/>
-              <a:t>The graph clearly states rape cases has been increased every year.</a:t>
-            </a:r>
+            <a:endParaRPr lang="en-US" dirty="0"/>
           </a:p>
           <a:p>
             <a:pPr marL="685800" indent="-685800">
@@ -2945,6 +2789,135 @@
               <a:buChar char="•"/>
             </a:pPr>
             <a:endParaRPr lang="en-US" dirty="0"/>
+          </a:p>
+        </p:txBody>
+      </p:sp>
+      <p:pic>
+        <p:nvPicPr>
+          <p:cNvPr id="4" name="Picture 3"/>
+          <p:cNvPicPr>
+            <a:picLocks noChangeAspect="1"/>
+          </p:cNvPicPr>
+          <p:nvPr/>
+        </p:nvPicPr>
+        <p:blipFill>
+          <a:blip r:embed="rId7">
+            <a:extLst>
+              <a:ext uri="{28A0092B-C50C-407E-A947-70E740481C1C}">
+                <a14:useLocalDpi xmlns:a14="http://schemas.microsoft.com/office/drawing/2010/main" val="0"/>
+              </a:ext>
+            </a:extLst>
+          </a:blip>
+          <a:stretch>
+            <a:fillRect/>
+          </a:stretch>
+        </p:blipFill>
+        <p:spPr>
+          <a:xfrm>
+            <a:off x="12131874" y="7658100"/>
+            <a:ext cx="11054697" cy="8572500"/>
+          </a:xfrm>
+          <a:prstGeom prst="rect">
+            <a:avLst/>
+          </a:prstGeom>
+        </p:spPr>
+      </p:pic>
+      <p:pic>
+        <p:nvPicPr>
+          <p:cNvPr id="12" name="Picture 11"/>
+          <p:cNvPicPr>
+            <a:picLocks noChangeAspect="1"/>
+          </p:cNvPicPr>
+          <p:nvPr/>
+        </p:nvPicPr>
+        <p:blipFill>
+          <a:blip r:embed="rId8">
+            <a:extLst>
+              <a:ext uri="{28A0092B-C50C-407E-A947-70E740481C1C}">
+                <a14:useLocalDpi xmlns:a14="http://schemas.microsoft.com/office/drawing/2010/main" val="0"/>
+              </a:ext>
+            </a:extLst>
+          </a:blip>
+          <a:stretch>
+            <a:fillRect/>
+          </a:stretch>
+        </p:blipFill>
+        <p:spPr>
+          <a:xfrm>
+            <a:off x="12131875" y="17864524"/>
+            <a:ext cx="11054696" cy="8457133"/>
+          </a:xfrm>
+          <a:prstGeom prst="rect">
+            <a:avLst/>
+          </a:prstGeom>
+        </p:spPr>
+      </p:pic>
+      <p:sp>
+        <p:nvSpPr>
+          <p:cNvPr id="17" name="TextBox 16"/>
+          <p:cNvSpPr txBox="1"/>
+          <p:nvPr/>
+        </p:nvSpPr>
+        <p:spPr>
+          <a:xfrm>
+            <a:off x="23431247" y="17864524"/>
+            <a:ext cx="8115554" cy="6740307"/>
+          </a:xfrm>
+          <a:prstGeom prst="rect">
+            <a:avLst/>
+          </a:prstGeom>
+          <a:noFill/>
+        </p:spPr>
+        <p:txBody>
+          <a:bodyPr wrap="square" rtlCol="0">
+            <a:spAutoFit/>
+          </a:bodyPr>
+          <a:lstStyle/>
+          <a:p>
+            <a:pPr algn="just"/>
+            <a:r>
+              <a:rPr lang="en-US" sz="5400" dirty="0" smtClean="0"/>
+              <a:t>Even though the closing stock value of a company is greater than 150, the turnover of the company is not performing so good. </a:t>
+            </a:r>
+          </a:p>
+          <a:p>
+            <a:pPr algn="just"/>
+            <a:r>
+              <a:rPr lang="en-US" sz="5400" dirty="0" smtClean="0"/>
+              <a:t>This is acceptable because a company may see a loss through a year.</a:t>
+            </a:r>
+            <a:endParaRPr lang="en-US" sz="5400" dirty="0"/>
+          </a:p>
+        </p:txBody>
+      </p:sp>
+      <p:sp>
+        <p:nvSpPr>
+          <p:cNvPr id="22" name="TextBox 21"/>
+          <p:cNvSpPr txBox="1"/>
+          <p:nvPr/>
+        </p:nvSpPr>
+        <p:spPr>
+          <a:xfrm>
+            <a:off x="24035657" y="8686798"/>
+            <a:ext cx="7053943" cy="5078313"/>
+          </a:xfrm>
+          <a:prstGeom prst="rect">
+            <a:avLst/>
+          </a:prstGeom>
+          <a:noFill/>
+        </p:spPr>
+        <p:txBody>
+          <a:bodyPr wrap="square" rtlCol="0">
+            <a:spAutoFit/>
+          </a:bodyPr>
+          <a:lstStyle/>
+          <a:p>
+            <a:pPr algn="just"/>
+            <a:r>
+              <a:rPr lang="en-US" sz="5400" dirty="0" smtClean="0"/>
+              <a:t>The Close values which are near to the centroid can be chosen because in turn the turnover of those values will also be high.</a:t>
+            </a:r>
+            <a:endParaRPr lang="en-US" sz="5400" dirty="0"/>
           </a:p>
         </p:txBody>
       </p:sp>
